--- a/tests/pptx/test_phl_with_table.pptx
+++ b/tests/pptx/test_phl_with_table.pptx
@@ -2218,18 +2218,299 @@
         <p:nvGraphicFramePr>
           <p:cNvPr id="2" name=""/>
           <p:cNvGraphicFramePr>
-            <a:graphicFrameLocks noGrp="true"/>
+            <a:graphicFrameLocks noGrp="1"/>
           </p:cNvGraphicFramePr>
-          <p:nvPr/>
+          <p:nvPr>
+            <p:ph/>
+          </p:nvPr>
         </p:nvGraphicFramePr>
-        <p:xfrm rot="0">
+        <p:xfrm rot="-0">
           <a:off x="251460" y="251460"/>
           <a:ext cx="3677194" cy="3154680"/>
         </p:xfrm>
         <a:graphic>
           <a:graphicData uri="http://schemas.openxmlformats.org/drawingml/2006/table">
             <a:tbl>
-              <a:tblPr firstRow="1">
+              <a:tblPr firstRow="1" lastRow="0" firstColumn="0" lastColumn="0" bandRow="1" bandCol="0">
+                <a:tableStyleId>{5C22544A-7EE6-4342-B048-85BDC9FD1C3A}</a:tableStyleId>
+              </a:tblPr>
+              <a:tblGrid>
+                <a:gridCol w="735438"/>
+                <a:gridCol w="735438"/>
+                <a:gridCol w="735438"/>
+                <a:gridCol w="735438"/>
+                <a:gridCol w="735438"/>
+              </a:tblGrid>
+              <a:tr h="1051560">
+                <a:tc>
+                  <a:txBody>
+                    <a:bodyPr/>
+                    <a:lstStyle/>
+                    <a:p>
+                      <a:pPr algn="r"/>
+                      <a:r>
+                        <a:t>Sepal.Length</a:t>
+                      </a:r>
+                    </a:p>
+                  </a:txBody>
+                </a:tc>
+                <a:tc>
+                  <a:txBody>
+                    <a:bodyPr/>
+                    <a:lstStyle/>
+                    <a:p>
+                      <a:pPr algn="r"/>
+                      <a:r>
+                        <a:t>Sepal.Width</a:t>
+                      </a:r>
+                    </a:p>
+                  </a:txBody>
+                </a:tc>
+                <a:tc>
+                  <a:txBody>
+                    <a:bodyPr/>
+                    <a:lstStyle/>
+                    <a:p>
+                      <a:pPr algn="r"/>
+                      <a:r>
+                        <a:t>Petal.Length</a:t>
+                      </a:r>
+                    </a:p>
+                  </a:txBody>
+                </a:tc>
+                <a:tc>
+                  <a:txBody>
+                    <a:bodyPr/>
+                    <a:lstStyle/>
+                    <a:p>
+                      <a:pPr algn="r"/>
+                      <a:r>
+                        <a:t>Petal.Width</a:t>
+                      </a:r>
+                    </a:p>
+                  </a:txBody>
+                </a:tc>
+                <a:tc>
+                  <a:txBody>
+                    <a:bodyPr/>
+                    <a:lstStyle/>
+                    <a:p>
+                      <a:pPr algn="r"/>
+                      <a:r>
+                        <a:t>Species</a:t>
+                      </a:r>
+                    </a:p>
+                  </a:txBody>
+                </a:tc>
+              </a:tr>
+              <a:tr h="1051560">
+                <a:tc>
+                  <a:txBody>
+                    <a:bodyPr/>
+                    <a:lstStyle/>
+                    <a:p>
+                      <a:pPr algn="r"/>
+                      <a:r>
+                        <a:t>4.3</a:t>
+                      </a:r>
+                    </a:p>
+                  </a:txBody>
+                </a:tc>
+                <a:tc>
+                  <a:txBody>
+                    <a:bodyPr/>
+                    <a:lstStyle/>
+                    <a:p>
+                      <a:pPr algn="r"/>
+                      <a:r>
+                        <a:t>3.0</a:t>
+                      </a:r>
+                    </a:p>
+                  </a:txBody>
+                </a:tc>
+                <a:tc>
+                  <a:txBody>
+                    <a:bodyPr/>
+                    <a:lstStyle/>
+                    <a:p>
+                      <a:pPr algn="r"/>
+                      <a:r>
+                        <a:t>1.1</a:t>
+                      </a:r>
+                    </a:p>
+                  </a:txBody>
+                </a:tc>
+                <a:tc>
+                  <a:txBody>
+                    <a:bodyPr/>
+                    <a:lstStyle/>
+                    <a:p>
+                      <a:pPr algn="r"/>
+                      <a:r>
+                        <a:t>0.1</a:t>
+                      </a:r>
+                    </a:p>
+                  </a:txBody>
+                </a:tc>
+                <a:tc>
+                  <a:txBody>
+                    <a:bodyPr/>
+                    <a:lstStyle/>
+                    <a:p>
+                      <a:pPr algn="r"/>
+                      <a:r>
+                        <a:t>setosa</a:t>
+                      </a:r>
+                    </a:p>
+                  </a:txBody>
+                </a:tc>
+              </a:tr>
+              <a:tr h="1051560">
+                <a:tc>
+                  <a:txBody>
+                    <a:bodyPr/>
+                    <a:lstStyle/>
+                    <a:p>
+                      <a:pPr algn="r"/>
+                      <a:r>
+                        <a:t>5.0</a:t>
+                      </a:r>
+                    </a:p>
+                  </a:txBody>
+                </a:tc>
+                <a:tc>
+                  <a:txBody>
+                    <a:bodyPr/>
+                    <a:lstStyle/>
+                    <a:p>
+                      <a:pPr algn="r"/>
+                      <a:r>
+                        <a:t>3.3</a:t>
+                      </a:r>
+                    </a:p>
+                  </a:txBody>
+                </a:tc>
+                <a:tc>
+                  <a:txBody>
+                    <a:bodyPr/>
+                    <a:lstStyle/>
+                    <a:p>
+                      <a:pPr algn="r"/>
+                      <a:r>
+                        <a:t>1.4</a:t>
+                      </a:r>
+                    </a:p>
+                  </a:txBody>
+                </a:tc>
+                <a:tc>
+                  <a:txBody>
+                    <a:bodyPr/>
+                    <a:lstStyle/>
+                    <a:p>
+                      <a:pPr algn="r"/>
+                      <a:r>
+                        <a:t>0.2</a:t>
+                      </a:r>
+                    </a:p>
+                  </a:txBody>
+                </a:tc>
+                <a:tc>
+                  <a:txBody>
+                    <a:bodyPr/>
+                    <a:lstStyle/>
+                    <a:p>
+                      <a:pPr algn="r"/>
+                      <a:r>
+                        <a:t>setosa</a:t>
+                      </a:r>
+                    </a:p>
+                  </a:txBody>
+                </a:tc>
+              </a:tr>
+              <a:tr h="1051560">
+                <a:tc>
+                  <a:txBody>
+                    <a:bodyPr/>
+                    <a:lstStyle/>
+                    <a:p>
+                      <a:pPr algn="r"/>
+                      <a:r>
+                        <a:t>7.7</a:t>
+                      </a:r>
+                    </a:p>
+                  </a:txBody>
+                </a:tc>
+                <a:tc>
+                  <a:txBody>
+                    <a:bodyPr/>
+                    <a:lstStyle/>
+                    <a:p>
+                      <a:pPr algn="r"/>
+                      <a:r>
+                        <a:t>3.8</a:t>
+                      </a:r>
+                    </a:p>
+                  </a:txBody>
+                </a:tc>
+                <a:tc>
+                  <a:txBody>
+                    <a:bodyPr/>
+                    <a:lstStyle/>
+                    <a:p>
+                      <a:pPr algn="r"/>
+                      <a:r>
+                        <a:t>6.7</a:t>
+                      </a:r>
+                    </a:p>
+                  </a:txBody>
+                </a:tc>
+                <a:tc>
+                  <a:txBody>
+                    <a:bodyPr/>
+                    <a:lstStyle/>
+                    <a:p>
+                      <a:pPr algn="r"/>
+                      <a:r>
+                        <a:t>2.2</a:t>
+                      </a:r>
+                    </a:p>
+                  </a:txBody>
+                </a:tc>
+                <a:tc>
+                  <a:txBody>
+                    <a:bodyPr/>
+                    <a:lstStyle/>
+                    <a:p>
+                      <a:pPr algn="r"/>
+                      <a:r>
+                        <a:t>virginica</a:t>
+                      </a:r>
+                    </a:p>
+                  </a:txBody>
+                </a:tc>
+              </a:tr>
+            </a:tbl>
+          </a:graphicData>
+        </a:graphic>
+      </p:graphicFrame>
+      <p:graphicFrame xmlns:a="http://schemas.openxmlformats.org/drawingml/2006/main" xmlns:r="http://schemas.openxmlformats.org/officeDocument/2006/relationships" xmlns:p="http://schemas.openxmlformats.org/presentationml/2006/main">
+        <p:nvGraphicFramePr>
+          <p:cNvPr id="3" name=""/>
+          <p:cNvGraphicFramePr>
+            <a:graphicFrameLocks noGrp="1"/>
+          </p:cNvGraphicFramePr>
+          <p:nvPr>
+            <p:ph/>
+          </p:nvPr>
+        </p:nvGraphicFramePr>
+        <p:xfrm rot="-0">
+          <a:off x="251460" y="3451860"/>
+          <a:ext cx="3677194" cy="3154680"/>
+        </p:xfrm>
+        <a:graphic>
+          <a:graphicData uri="http://schemas.openxmlformats.org/drawingml/2006/table">
+            <a:tbl>
+              <a:tblPr firstRow="1" lastRow="0" firstColumn="0" lastColumn="0" bandRow="1" bandCol="0">
                 <a:tableStyleId>{5C22544A-7EE6-4342-B048-85BDC9FD1C3A}</a:tableStyleId>
               </a:tblPr>
               <a:tblGrid>
@@ -2245,6 +2526,7 @@
                     <a:bodyPr/>
                     <a:lstStyle/>
                     <a:p>
+                      <a:pPr algn="r"/>
                       <a:r>
                         <a:t>Sepal.Length</a:t>
                       </a:r>
@@ -2256,6 +2538,7 @@
                     <a:bodyPr/>
                     <a:lstStyle/>
                     <a:p>
+                      <a:pPr algn="r"/>
                       <a:r>
                         <a:t>Sepal.Width</a:t>
                       </a:r>
@@ -2267,6 +2550,7 @@
                     <a:bodyPr/>
                     <a:lstStyle/>
                     <a:p>
+                      <a:pPr algn="r"/>
                       <a:r>
                         <a:t>Petal.Length</a:t>
                       </a:r>
@@ -2278,6 +2562,7 @@
                     <a:bodyPr/>
                     <a:lstStyle/>
                     <a:p>
+                      <a:pPr algn="r"/>
                       <a:r>
                         <a:t>Petal.Width</a:t>
                       </a:r>
@@ -2289,6 +2574,7 @@
                     <a:bodyPr/>
                     <a:lstStyle/>
                     <a:p>
+                      <a:pPr algn="r"/>
                       <a:r>
                         <a:t>Species</a:t>
                       </a:r>
@@ -2302,6 +2588,7 @@
                     <a:bodyPr/>
                     <a:lstStyle/>
                     <a:p>
+                      <a:pPr algn="r"/>
                       <a:r>
                         <a:t>4.3</a:t>
                       </a:r>
@@ -2313,6 +2600,7 @@
                     <a:bodyPr/>
                     <a:lstStyle/>
                     <a:p>
+                      <a:pPr algn="r"/>
                       <a:r>
                         <a:t>3.0</a:t>
                       </a:r>
@@ -2324,6 +2612,7 @@
                     <a:bodyPr/>
                     <a:lstStyle/>
                     <a:p>
+                      <a:pPr algn="r"/>
                       <a:r>
                         <a:t>1.1</a:t>
                       </a:r>
@@ -2335,6 +2624,7 @@
                     <a:bodyPr/>
                     <a:lstStyle/>
                     <a:p>
+                      <a:pPr algn="r"/>
                       <a:r>
                         <a:t>0.1</a:t>
                       </a:r>
@@ -2346,6 +2636,7 @@
                     <a:bodyPr/>
                     <a:lstStyle/>
                     <a:p>
+                      <a:pPr algn="r"/>
                       <a:r>
                         <a:t>setosa</a:t>
                       </a:r>
@@ -2359,6 +2650,7 @@
                     <a:bodyPr/>
                     <a:lstStyle/>
                     <a:p>
+                      <a:pPr algn="r"/>
                       <a:r>
                         <a:t>5.0</a:t>
                       </a:r>
@@ -2370,6 +2662,7 @@
                     <a:bodyPr/>
                     <a:lstStyle/>
                     <a:p>
+                      <a:pPr algn="r"/>
                       <a:r>
                         <a:t>3.3</a:t>
                       </a:r>
@@ -2381,6 +2674,7 @@
                     <a:bodyPr/>
                     <a:lstStyle/>
                     <a:p>
+                      <a:pPr algn="r"/>
                       <a:r>
                         <a:t>1.4</a:t>
                       </a:r>
@@ -2392,6 +2686,7 @@
                     <a:bodyPr/>
                     <a:lstStyle/>
                     <a:p>
+                      <a:pPr algn="r"/>
                       <a:r>
                         <a:t>0.2</a:t>
                       </a:r>
@@ -2403,6 +2698,7 @@
                     <a:bodyPr/>
                     <a:lstStyle/>
                     <a:p>
+                      <a:pPr algn="r"/>
                       <a:r>
                         <a:t>setosa</a:t>
                       </a:r>
@@ -2416,6 +2712,7 @@
                     <a:bodyPr/>
                     <a:lstStyle/>
                     <a:p>
+                      <a:pPr algn="r"/>
                       <a:r>
                         <a:t>7.7</a:t>
                       </a:r>
@@ -2427,6 +2724,7 @@
                     <a:bodyPr/>
                     <a:lstStyle/>
                     <a:p>
+                      <a:pPr algn="r"/>
                       <a:r>
                         <a:t>3.8</a:t>
                       </a:r>
@@ -2438,6 +2736,7 @@
                     <a:bodyPr/>
                     <a:lstStyle/>
                     <a:p>
+                      <a:pPr algn="r"/>
                       <a:r>
                         <a:t>6.7</a:t>
                       </a:r>
@@ -2449,6 +2748,7 @@
                     <a:bodyPr/>
                     <a:lstStyle/>
                     <a:p>
+                      <a:pPr algn="r"/>
                       <a:r>
                         <a:t>2.2</a:t>
                       </a:r>
@@ -2460,6 +2760,7 @@
                     <a:bodyPr/>
                     <a:lstStyle/>
                     <a:p>
+                      <a:pPr algn="r"/>
                       <a:r>
                         <a:t>virginica</a:t>
                       </a:r>
@@ -2467,188 +2768,49 @@
                   </a:txBody>
                 </a:tc>
               </a:tr>
-            </a:tbl>
-          </a:graphicData>
-        </a:graphic>
-      </p:graphicFrame>
-      <p:graphicFrame xmlns:a="http://schemas.openxmlformats.org/drawingml/2006/main" xmlns:r="http://schemas.openxmlformats.org/officeDocument/2006/relationships" xmlns:p="http://schemas.openxmlformats.org/presentationml/2006/main">
-        <p:nvGraphicFramePr>
-          <p:cNvPr id="3" name=""/>
-          <p:cNvGraphicFramePr>
-            <a:graphicFrameLocks noGrp="true"/>
-          </p:cNvGraphicFramePr>
-          <p:nvPr/>
-        </p:nvGraphicFramePr>
-        <p:xfrm rot="0">
-          <a:off x="251460" y="3451860"/>
-          <a:ext cx="3677194" cy="3154680"/>
-        </p:xfrm>
-        <a:graphic>
-          <a:graphicData uri="http://schemas.openxmlformats.org/drawingml/2006/table">
-            <a:tbl>
-              <a:tblPr firstRow="1">
-                <a:tableStyleId>{5C22544A-7EE6-4342-B048-85BDC9FD1C3A}</a:tableStyleId>
-              </a:tblPr>
-              <a:tblGrid>
-                <a:gridCol w="735438"/>
-                <a:gridCol w="735438"/>
-                <a:gridCol w="735438"/>
-                <a:gridCol w="735438"/>
-                <a:gridCol w="735438"/>
-              </a:tblGrid>
-              <a:tr h="630936">
-                <a:tc>
-                  <a:txBody>
-                    <a:bodyPr/>
-                    <a:lstStyle/>
-                    <a:p>
-                      <a:r>
-                        <a:t>Sepal.Length</a:t>
-                      </a:r>
-                    </a:p>
-                  </a:txBody>
-                </a:tc>
-                <a:tc>
-                  <a:txBody>
-                    <a:bodyPr/>
-                    <a:lstStyle/>
-                    <a:p>
-                      <a:r>
-                        <a:t>Sepal.Width</a:t>
-                      </a:r>
-                    </a:p>
-                  </a:txBody>
-                </a:tc>
-                <a:tc>
-                  <a:txBody>
-                    <a:bodyPr/>
-                    <a:lstStyle/>
-                    <a:p>
-                      <a:r>
-                        <a:t>Petal.Length</a:t>
-                      </a:r>
-                    </a:p>
-                  </a:txBody>
-                </a:tc>
-                <a:tc>
-                  <a:txBody>
-                    <a:bodyPr/>
-                    <a:lstStyle/>
-                    <a:p>
-                      <a:r>
-                        <a:t>Petal.Width</a:t>
-                      </a:r>
-                    </a:p>
-                  </a:txBody>
-                </a:tc>
-                <a:tc>
-                  <a:txBody>
-                    <a:bodyPr/>
-                    <a:lstStyle/>
-                    <a:p>
-                      <a:r>
-                        <a:t>Species</a:t>
-                      </a:r>
-                    </a:p>
-                  </a:txBody>
-                </a:tc>
-              </a:tr>
-              <a:tr h="630936">
-                <a:tc>
-                  <a:txBody>
-                    <a:bodyPr/>
-                    <a:lstStyle/>
-                    <a:p>
-                      <a:r>
-                        <a:t>4.3</a:t>
-                      </a:r>
-                    </a:p>
-                  </a:txBody>
-                </a:tc>
-                <a:tc>
-                  <a:txBody>
-                    <a:bodyPr/>
-                    <a:lstStyle/>
-                    <a:p>
-                      <a:r>
-                        <a:t>3.0</a:t>
-                      </a:r>
-                    </a:p>
-                  </a:txBody>
-                </a:tc>
-                <a:tc>
-                  <a:txBody>
-                    <a:bodyPr/>
-                    <a:lstStyle/>
-                    <a:p>
-                      <a:r>
-                        <a:t>1.1</a:t>
-                      </a:r>
-                    </a:p>
-                  </a:txBody>
-                </a:tc>
-                <a:tc>
-                  <a:txBody>
-                    <a:bodyPr/>
-                    <a:lstStyle/>
-                    <a:p>
-                      <a:r>
-                        <a:t>0.1</a:t>
-                      </a:r>
-                    </a:p>
-                  </a:txBody>
-                </a:tc>
-                <a:tc>
-                  <a:txBody>
-                    <a:bodyPr/>
-                    <a:lstStyle/>
-                    <a:p>
-                      <a:r>
-                        <a:t>setosa</a:t>
-                      </a:r>
-                    </a:p>
-                  </a:txBody>
-                </a:tc>
-              </a:tr>
-              <a:tr h="630936">
-                <a:tc>
-                  <a:txBody>
-                    <a:bodyPr/>
-                    <a:lstStyle/>
-                    <a:p>
-                      <a:r>
-                        <a:t>5.0</a:t>
-                      </a:r>
-                    </a:p>
-                  </a:txBody>
-                </a:tc>
-                <a:tc>
-                  <a:txBody>
-                    <a:bodyPr/>
-                    <a:lstStyle/>
-                    <a:p>
-                      <a:r>
-                        <a:t>3.3</a:t>
-                      </a:r>
-                    </a:p>
-                  </a:txBody>
-                </a:tc>
-                <a:tc>
-                  <a:txBody>
-                    <a:bodyPr/>
-                    <a:lstStyle/>
-                    <a:p>
-                      <a:r>
-                        <a:t>1.4</a:t>
-                      </a:r>
-                    </a:p>
-                  </a:txBody>
-                </a:tc>
-                <a:tc>
-                  <a:txBody>
-                    <a:bodyPr/>
-                    <a:lstStyle/>
-                    <a:p>
+              <a:tr h="788670">
+                <a:tc>
+                  <a:txBody>
+                    <a:bodyPr/>
+                    <a:lstStyle/>
+                    <a:p>
+                      <a:pPr algn="r"/>
+                      <a:r>
+                        <a:t>4.4</a:t>
+                      </a:r>
+                    </a:p>
+                  </a:txBody>
+                </a:tc>
+                <a:tc>
+                  <a:txBody>
+                    <a:bodyPr/>
+                    <a:lstStyle/>
+                    <a:p>
+                      <a:pPr algn="r"/>
+                      <a:r>
+                        <a:t>3.2</a:t>
+                      </a:r>
+                    </a:p>
+                  </a:txBody>
+                </a:tc>
+                <a:tc>
+                  <a:txBody>
+                    <a:bodyPr/>
+                    <a:lstStyle/>
+                    <a:p>
+                      <a:pPr algn="r"/>
+                      <a:r>
+                        <a:t>1.3</a:t>
+                      </a:r>
+                    </a:p>
+                  </a:txBody>
+                </a:tc>
+                <a:tc>
+                  <a:txBody>
+                    <a:bodyPr/>
+                    <a:lstStyle/>
+                    <a:p>
+                      <a:pPr algn="r"/>
                       <a:r>
                         <a:t>0.2</a:t>
                       </a:r>
@@ -2660,120 +2822,7 @@
                     <a:bodyPr/>
                     <a:lstStyle/>
                     <a:p>
-                      <a:r>
-                        <a:t>setosa</a:t>
-                      </a:r>
-                    </a:p>
-                  </a:txBody>
-                </a:tc>
-              </a:tr>
-              <a:tr h="630936">
-                <a:tc>
-                  <a:txBody>
-                    <a:bodyPr/>
-                    <a:lstStyle/>
-                    <a:p>
-                      <a:r>
-                        <a:t>7.7</a:t>
-                      </a:r>
-                    </a:p>
-                  </a:txBody>
-                </a:tc>
-                <a:tc>
-                  <a:txBody>
-                    <a:bodyPr/>
-                    <a:lstStyle/>
-                    <a:p>
-                      <a:r>
-                        <a:t>3.8</a:t>
-                      </a:r>
-                    </a:p>
-                  </a:txBody>
-                </a:tc>
-                <a:tc>
-                  <a:txBody>
-                    <a:bodyPr/>
-                    <a:lstStyle/>
-                    <a:p>
-                      <a:r>
-                        <a:t>6.7</a:t>
-                      </a:r>
-                    </a:p>
-                  </a:txBody>
-                </a:tc>
-                <a:tc>
-                  <a:txBody>
-                    <a:bodyPr/>
-                    <a:lstStyle/>
-                    <a:p>
-                      <a:r>
-                        <a:t>2.2</a:t>
-                      </a:r>
-                    </a:p>
-                  </a:txBody>
-                </a:tc>
-                <a:tc>
-                  <a:txBody>
-                    <a:bodyPr/>
-                    <a:lstStyle/>
-                    <a:p>
-                      <a:r>
-                        <a:t>virginica</a:t>
-                      </a:r>
-                    </a:p>
-                  </a:txBody>
-                </a:tc>
-              </a:tr>
-              <a:tr h="630936">
-                <a:tc>
-                  <a:txBody>
-                    <a:bodyPr/>
-                    <a:lstStyle/>
-                    <a:p>
-                      <a:r>
-                        <a:t>4.4</a:t>
-                      </a:r>
-                    </a:p>
-                  </a:txBody>
-                </a:tc>
-                <a:tc>
-                  <a:txBody>
-                    <a:bodyPr/>
-                    <a:lstStyle/>
-                    <a:p>
-                      <a:r>
-                        <a:t>3.2</a:t>
-                      </a:r>
-                    </a:p>
-                  </a:txBody>
-                </a:tc>
-                <a:tc>
-                  <a:txBody>
-                    <a:bodyPr/>
-                    <a:lstStyle/>
-                    <a:p>
-                      <a:r>
-                        <a:t>1.3</a:t>
-                      </a:r>
-                    </a:p>
-                  </a:txBody>
-                </a:tc>
-                <a:tc>
-                  <a:txBody>
-                    <a:bodyPr/>
-                    <a:lstStyle/>
-                    <a:p>
-                      <a:r>
-                        <a:t>0.2</a:t>
-                      </a:r>
-                    </a:p>
-                  </a:txBody>
-                </a:tc>
-                <a:tc>
-                  <a:txBody>
-                    <a:bodyPr/>
-                    <a:lstStyle/>
-                    <a:p>
+                      <a:pPr algn="r"/>
                       <a:r>
                         <a:t>setosa</a:t>
                       </a:r>
@@ -2789,30 +2838,33 @@
         <p:nvGraphicFramePr>
           <p:cNvPr id="4" name=""/>
           <p:cNvGraphicFramePr>
-            <a:graphicFrameLocks noGrp="true"/>
+            <a:graphicFrameLocks noGrp="1"/>
           </p:cNvGraphicFramePr>
-          <p:nvPr/>
+          <p:nvPr>
+            <p:ph/>
+          </p:nvPr>
         </p:nvGraphicFramePr>
-        <p:xfrm rot="0">
+        <p:xfrm rot="-0">
           <a:off x="3974374" y="251460"/>
           <a:ext cx="4918166" cy="3154680"/>
         </p:xfrm>
         <a:graphic>
           <a:graphicData uri="http://schemas.openxmlformats.org/drawingml/2006/table">
             <a:tbl>
-              <a:tblPr firstRow="1">
+              <a:tblPr firstRow="1" lastRow="0" firstColumn="0" lastColumn="0" bandRow="1" bandCol="0">
                 <a:tableStyleId>{5C22544A-7EE6-4342-B048-85BDC9FD1C3A}</a:tableStyleId>
               </a:tblPr>
               <a:tblGrid>
                 <a:gridCol w="2459082"/>
                 <a:gridCol w="2459082"/>
               </a:tblGrid>
-              <a:tr h="788670">
-                <a:tc>
-                  <a:txBody>
-                    <a:bodyPr/>
-                    <a:lstStyle/>
-                    <a:p>
+              <a:tr h="1051560">
+                <a:tc>
+                  <a:txBody>
+                    <a:bodyPr/>
+                    <a:lstStyle/>
+                    <a:p>
+                      <a:pPr algn="r"/>
                       <a:r>
                         <a:t>Sepal.Length</a:t>
                       </a:r>
@@ -2824,6 +2876,7 @@
                     <a:bodyPr/>
                     <a:lstStyle/>
                     <a:p>
+                      <a:pPr algn="r"/>
                       <a:r>
                         <a:t>Species</a:t>
                       </a:r>
@@ -2831,12 +2884,13 @@
                   </a:txBody>
                 </a:tc>
               </a:tr>
-              <a:tr h="788670">
-                <a:tc>
-                  <a:txBody>
-                    <a:bodyPr/>
-                    <a:lstStyle/>
-                    <a:p>
+              <a:tr h="1051560">
+                <a:tc>
+                  <a:txBody>
+                    <a:bodyPr/>
+                    <a:lstStyle/>
+                    <a:p>
+                      <a:pPr algn="r"/>
                       <a:r>
                         <a:t>4.3</a:t>
                       </a:r>
@@ -2848,6 +2902,7 @@
                     <a:bodyPr/>
                     <a:lstStyle/>
                     <a:p>
+                      <a:pPr algn="r"/>
                       <a:r>
                         <a:t>setosa</a:t>
                       </a:r>
@@ -2855,12 +2910,13 @@
                   </a:txBody>
                 </a:tc>
               </a:tr>
-              <a:tr h="788670">
-                <a:tc>
-                  <a:txBody>
-                    <a:bodyPr/>
-                    <a:lstStyle/>
-                    <a:p>
+              <a:tr h="1051560">
+                <a:tc>
+                  <a:txBody>
+                    <a:bodyPr/>
+                    <a:lstStyle/>
+                    <a:p>
+                      <a:pPr algn="r"/>
                       <a:r>
                         <a:t>5.0</a:t>
                       </a:r>
@@ -2872,6 +2928,7 @@
                     <a:bodyPr/>
                     <a:lstStyle/>
                     <a:p>
+                      <a:pPr algn="r"/>
                       <a:r>
                         <a:t>setosa</a:t>
                       </a:r>
@@ -2879,12 +2936,13 @@
                   </a:txBody>
                 </a:tc>
               </a:tr>
-              <a:tr h="788670">
-                <a:tc>
-                  <a:txBody>
-                    <a:bodyPr/>
-                    <a:lstStyle/>
-                    <a:p>
+              <a:tr h="1051560">
+                <a:tc>
+                  <a:txBody>
+                    <a:bodyPr/>
+                    <a:lstStyle/>
+                    <a:p>
+                      <a:pPr algn="r"/>
                       <a:r>
                         <a:t>7.7</a:t>
                       </a:r>
@@ -2896,6 +2954,7 @@
                     <a:bodyPr/>
                     <a:lstStyle/>
                     <a:p>
+                      <a:pPr algn="r"/>
                       <a:r>
                         <a:t>virginica</a:t>
                       </a:r>
@@ -2911,30 +2970,33 @@
         <p:nvGraphicFramePr>
           <p:cNvPr id="5" name=""/>
           <p:cNvGraphicFramePr>
-            <a:graphicFrameLocks noGrp="true"/>
+            <a:graphicFrameLocks noGrp="1"/>
           </p:cNvGraphicFramePr>
-          <p:nvPr/>
+          <p:nvPr>
+            <p:ph/>
+          </p:nvPr>
         </p:nvGraphicFramePr>
-        <p:xfrm rot="0">
+        <p:xfrm rot="-0">
           <a:off x="3974374" y="3451860"/>
           <a:ext cx="4918166" cy="3154680"/>
         </p:xfrm>
         <a:graphic>
           <a:graphicData uri="http://schemas.openxmlformats.org/drawingml/2006/table">
             <a:tbl>
-              <a:tblPr firstRow="1">
+              <a:tblPr firstRow="1" lastRow="0" firstColumn="0" lastColumn="0" bandRow="1" bandCol="0">
                 <a:tableStyleId>{5C22544A-7EE6-4342-B048-85BDC9FD1C3A}</a:tableStyleId>
               </a:tblPr>
               <a:tblGrid>
                 <a:gridCol w="2459082"/>
                 <a:gridCol w="2459082"/>
               </a:tblGrid>
-              <a:tr h="630936">
-                <a:tc>
-                  <a:txBody>
-                    <a:bodyPr/>
-                    <a:lstStyle/>
-                    <a:p>
+              <a:tr h="788670">
+                <a:tc>
+                  <a:txBody>
+                    <a:bodyPr/>
+                    <a:lstStyle/>
+                    <a:p>
+                      <a:pPr algn="r"/>
                       <a:r>
                         <a:t>Sepal.Length</a:t>
                       </a:r>
@@ -2946,6 +3008,7 @@
                     <a:bodyPr/>
                     <a:lstStyle/>
                     <a:p>
+                      <a:pPr algn="r"/>
                       <a:r>
                         <a:t>Species</a:t>
                       </a:r>
@@ -2953,12 +3016,13 @@
                   </a:txBody>
                 </a:tc>
               </a:tr>
-              <a:tr h="630936">
-                <a:tc>
-                  <a:txBody>
-                    <a:bodyPr/>
-                    <a:lstStyle/>
-                    <a:p>
+              <a:tr h="788670">
+                <a:tc>
+                  <a:txBody>
+                    <a:bodyPr/>
+                    <a:lstStyle/>
+                    <a:p>
+                      <a:pPr algn="r"/>
                       <a:r>
                         <a:t>4.3</a:t>
                       </a:r>
@@ -2970,6 +3034,7 @@
                     <a:bodyPr/>
                     <a:lstStyle/>
                     <a:p>
+                      <a:pPr algn="r"/>
                       <a:r>
                         <a:t>setosa</a:t>
                       </a:r>
@@ -2977,12 +3042,13 @@
                   </a:txBody>
                 </a:tc>
               </a:tr>
-              <a:tr h="630936">
-                <a:tc>
-                  <a:txBody>
-                    <a:bodyPr/>
-                    <a:lstStyle/>
-                    <a:p>
+              <a:tr h="788670">
+                <a:tc>
+                  <a:txBody>
+                    <a:bodyPr/>
+                    <a:lstStyle/>
+                    <a:p>
+                      <a:pPr algn="r"/>
                       <a:r>
                         <a:t>5.0</a:t>
                       </a:r>
@@ -2994,6 +3060,7 @@
                     <a:bodyPr/>
                     <a:lstStyle/>
                     <a:p>
+                      <a:pPr algn="r"/>
                       <a:r>
                         <a:t>setosa</a:t>
                       </a:r>
@@ -3001,12 +3068,13 @@
                   </a:txBody>
                 </a:tc>
               </a:tr>
-              <a:tr h="630936">
-                <a:tc>
-                  <a:txBody>
-                    <a:bodyPr/>
-                    <a:lstStyle/>
-                    <a:p>
+              <a:tr h="788670">
+                <a:tc>
+                  <a:txBody>
+                    <a:bodyPr/>
+                    <a:lstStyle/>
+                    <a:p>
+                      <a:pPr algn="r"/>
                       <a:r>
                         <a:t>7.7</a:t>
                       </a:r>
@@ -3018,6 +3086,7 @@
                     <a:bodyPr/>
                     <a:lstStyle/>
                     <a:p>
+                      <a:pPr algn="r"/>
                       <a:r>
                         <a:t>virginica</a:t>
                       </a:r>
@@ -3025,12 +3094,13 @@
                   </a:txBody>
                 </a:tc>
               </a:tr>
-              <a:tr h="630936">
-                <a:tc>
-                  <a:txBody>
-                    <a:bodyPr/>
-                    <a:lstStyle/>
-                    <a:p>
+              <a:tr h="788670">
+                <a:tc>
+                  <a:txBody>
+                    <a:bodyPr/>
+                    <a:lstStyle/>
+                    <a:p>
+                      <a:pPr algn="r"/>
                       <a:r>
                         <a:t>4.4</a:t>
                       </a:r>
@@ -3042,6 +3112,7 @@
                     <a:bodyPr/>
                     <a:lstStyle/>
                     <a:p>
+                      <a:pPr algn="r"/>
                       <a:r>
                         <a:t>setosa</a:t>
                       </a:r>

--- a/tests/pptx/test_phl_with_table.pptx
+++ b/tests/pptx/test_phl_with_table.pptx
@@ -4,7 +4,7 @@
   <p:sldMasterIdLst>
     <p:sldMasterId id="2147483648" r:id="rId1"/>
   </p:sldMasterIdLst>
-  <p:sldIdLst xmlns:a="http://schemas.openxmlformats.org/drawingml/2006/main" xmlns:r="http://schemas.openxmlformats.org/officeDocument/2006/relationships" xmlns:p="http://schemas.openxmlformats.org/presentationml/2006/main">
+  <p:sldIdLst>
     <p:sldId id="256" r:id="rId8"/>
   </p:sldIdLst>
   <p:sldSz cx="9144000" cy="6858000" type="screen4x3"/>
@@ -2214,7 +2214,7 @@
           <a:chExt cx="0" cy="0"/>
         </a:xfrm>
       </p:grpSpPr>
-      <p:graphicFrame xmlns:a="http://schemas.openxmlformats.org/drawingml/2006/main" xmlns:r="http://schemas.openxmlformats.org/officeDocument/2006/relationships" xmlns:p="http://schemas.openxmlformats.org/presentationml/2006/main">
+      <p:graphicFrame>
         <p:nvGraphicFramePr>
           <p:cNvPr id="2" name=""/>
           <p:cNvGraphicFramePr>
@@ -2493,7 +2493,7 @@
           </a:graphicData>
         </a:graphic>
       </p:graphicFrame>
-      <p:graphicFrame xmlns:a="http://schemas.openxmlformats.org/drawingml/2006/main" xmlns:r="http://schemas.openxmlformats.org/officeDocument/2006/relationships" xmlns:p="http://schemas.openxmlformats.org/presentationml/2006/main">
+      <p:graphicFrame>
         <p:nvGraphicFramePr>
           <p:cNvPr id="3" name=""/>
           <p:cNvGraphicFramePr>
@@ -2834,7 +2834,7 @@
           </a:graphicData>
         </a:graphic>
       </p:graphicFrame>
-      <p:graphicFrame xmlns:a="http://schemas.openxmlformats.org/drawingml/2006/main" xmlns:r="http://schemas.openxmlformats.org/officeDocument/2006/relationships" xmlns:p="http://schemas.openxmlformats.org/presentationml/2006/main">
+      <p:graphicFrame>
         <p:nvGraphicFramePr>
           <p:cNvPr id="4" name=""/>
           <p:cNvGraphicFramePr>
@@ -2966,7 +2966,7 @@
           </a:graphicData>
         </a:graphic>
       </p:graphicFrame>
-      <p:graphicFrame xmlns:a="http://schemas.openxmlformats.org/drawingml/2006/main" xmlns:r="http://schemas.openxmlformats.org/officeDocument/2006/relationships" xmlns:p="http://schemas.openxmlformats.org/presentationml/2006/main">
+      <p:graphicFrame>
         <p:nvGraphicFramePr>
           <p:cNvPr id="5" name=""/>
           <p:cNvGraphicFramePr>
